--- a/Combining Bag-of-Features (BOF) and Topological Data Analysis (TDA)/报告/2023-12-04.pptx
+++ b/Combining Bag-of-Features (BOF) and Topological Data Analysis (TDA)/报告/2023-12-04.pptx
@@ -123,6 +123,87 @@
     </a:lvl9pPr>
   </p:defaultTextStyle>
 </p:presentation>
+</file>
+
+<file path=ppt/ink/ink1.xml><?xml version="1.0" encoding="utf-8"?>
+<inkml:ink xmlns:inkml="http://www.w3.org/2003/InkML">
+  <inkml:definitions>
+    <inkml:context xml:id="ctx0">
+      <inkml:inkSource xml:id="inkSrc0">
+        <inkml:traceFormat>
+          <inkml:channel name="X" type="integer" units="cm"/>
+          <inkml:channel name="Y" type="integer" units="cm"/>
+        </inkml:traceFormat>
+        <inkml:channelProperties>
+          <inkml:channelProperty channel="X" name="resolution" value="28.3464566929134" units="1/cm"/>
+          <inkml:channelProperty channel="Y" name="resolution" value="28.3464566929134" units="1/cm"/>
+        </inkml:channelProperties>
+      </inkml:inkSource>
+      <inkml:timestamp xml:id="ts0" timeString="2023-12-05T09:29:55"/>
+    </inkml:context>
+    <inkml:brush xml:id="br0">
+      <inkml:brushProperty name="width" value="0.09701" units="cm"/>
+      <inkml:brushProperty name="height" value="0.09701" units="cm"/>
+      <inkml:brushProperty name="color" value="#ff0000"/>
+      <inkml:brushProperty name="ignorePressure" value="0"/>
+    </inkml:brush>
+  </inkml:definitions>
+  <inkml:trace contextRef="#ctx0" brushRef="#br0">436 530,'3'-1,"0"-1,0 1,0 0,0 0,0 0,0 0,0 1,0 0,0-1,0 1,0 0,0 0,0-1,0 1,0 0,0 0,0 0,0 0,0 0,0 0,0 0,0 0,0 0,0 0,0 0,0 0,0 0,0 1,0-1,0 0,0 1,0-1,0 0,0 0,0 0,0 0,0 0,0 0,0 0,0 0,0 0,0 0,0 0,0 0,0 0,0 0,0 0,0 0,0 0,0 0,0 0,0 0,0 0,0 0,0 0,0 0,0 0,0 0,0 0,0 0,0 0,0 0,0 0,0 0,0 0,0 0,0 0,0 0,0 0,0 0,0 0,0 0,0 0,0 0,0 0,0 0,0 0,0 0,0 0,0 0,0 0,0 0,0 0,0 0,0 0,0 0,0 0,0 0,0 0,0 0,0 0,0 0,0 0,0 0,0 0,0 0,0 0,0 0,0 0,0 0,0 0,0 0,0 0,0 0,0 0,0 0,0 0,0 0,0 0,0 0,0 0,0 0,0 0,0 0,0 0,0 0</inkml:trace>
+</inkml:ink>
+</file>
+
+<file path=ppt/ink/ink2.xml><?xml version="1.0" encoding="utf-8"?>
+<inkml:ink xmlns:inkml="http://www.w3.org/2003/InkML">
+  <inkml:definitions>
+    <inkml:context xml:id="ctx0">
+      <inkml:inkSource xml:id="inkSrc0">
+        <inkml:traceFormat>
+          <inkml:channel name="X" type="integer" units="cm"/>
+          <inkml:channel name="Y" type="integer" units="cm"/>
+        </inkml:traceFormat>
+        <inkml:channelProperties>
+          <inkml:channelProperty channel="X" name="resolution" value="28.3464566929134" units="1/cm"/>
+          <inkml:channelProperty channel="Y" name="resolution" value="28.3464566929134" units="1/cm"/>
+        </inkml:channelProperties>
+      </inkml:inkSource>
+      <inkml:timestamp xml:id="ts0" timeString="2023-12-05T09:29:55"/>
+    </inkml:context>
+    <inkml:brush xml:id="br0">
+      <inkml:brushProperty name="width" value="0.09701" units="cm"/>
+      <inkml:brushProperty name="height" value="0.09701" units="cm"/>
+      <inkml:brushProperty name="color" value="#ff0000"/>
+      <inkml:brushProperty name="ignorePressure" value="0"/>
+    </inkml:brush>
+  </inkml:definitions>
+  <inkml:trace contextRef="#ctx0" brushRef="#br0">298 464,'-3'-1,"0"0,0 1,0-1,0 1,0 0,0 0,0 0,0 0,0 3,1 0,-1-1,3 1,-1 0,0 0,-1 0,2 0,0 0,0 0,0 0,3 0,-1 0,0 0,1-1,0 0,0 0,0-1,0 1,0-2,0 2,0-1,0-1,0 0,0 0,0 0,0-1,0 0,0 1,0-1,0-1,0 2,0-1,-1-2,0 0,-1 0,1 0,-1 0,0-1,-1 1,1 0,-1 0,0 0,1 0,-1 0,0 0,0 0,0 0,-2 0,-1 1,0 1,0-1,0 1,0 1</inkml:trace>
+</inkml:ink>
+</file>
+
+<file path=ppt/ink/ink3.xml><?xml version="1.0" encoding="utf-8"?>
+<inkml:ink xmlns:inkml="http://www.w3.org/2003/InkML">
+  <inkml:definitions>
+    <inkml:context xml:id="ctx0">
+      <inkml:inkSource xml:id="inkSrc0">
+        <inkml:traceFormat>
+          <inkml:channel name="X" type="integer" units="cm"/>
+          <inkml:channel name="Y" type="integer" units="cm"/>
+        </inkml:traceFormat>
+        <inkml:channelProperties>
+          <inkml:channelProperty channel="X" name="resolution" value="28.3464566929134" units="1/cm"/>
+          <inkml:channelProperty channel="Y" name="resolution" value="28.3464566929134" units="1/cm"/>
+        </inkml:channelProperties>
+      </inkml:inkSource>
+      <inkml:timestamp xml:id="ts0" timeString="2023-12-05T09:29:55"/>
+    </inkml:context>
+    <inkml:brush xml:id="br0">
+      <inkml:brushProperty name="width" value="0.09701" units="cm"/>
+      <inkml:brushProperty name="height" value="0.09701" units="cm"/>
+      <inkml:brushProperty name="color" value="#92d050"/>
+      <inkml:brushProperty name="ignorePressure" value="0"/>
+    </inkml:brush>
+  </inkml:definitions>
+  <inkml:trace contextRef="#ctx0" brushRef="#br0">358 495,'-3'0,"0"0,0 0,0 1,0 0,0-1,0 0,1 3,1 0,1 0,0 0,0 0,0 0,0 0,1 0,2-2,0 0,0 0,0 0,0-1,0 0,0 0,0 0,0 0,0 0,0-2,-2-1,2 2,-3-2,0 0,0 0,0 0,-2 0,-1 1,2-1,-2 1,1-1,-1 2,0-1</inkml:trace>
+</inkml:ink>
 </file>
 
 <file path=ppt/notesMasters/notesMaster1.xml><?xml version="1.0" encoding="utf-8"?>
@@ -3764,7 +3845,124 @@
         <p:txBody>
           <a:bodyPr/>
           <a:p>
-            <a:endParaRPr lang="zh-CN" altLang="en-US"/>
+            <a:r>
+              <a:rPr lang="zh-CN" altLang="en-US" strike="sngStrike"/>
+              <a:t>使用最大的</a:t>
+            </a:r>
+            <a:r>
+              <a:rPr lang="en-US" altLang="zh-CN" strike="sngStrike"/>
+              <a:t>bar </a:t>
+            </a:r>
+            <a:r>
+              <a:rPr lang="zh-CN" altLang="en-US" strike="sngStrike"/>
+              <a:t>的</a:t>
+            </a:r>
+            <a:r>
+              <a:rPr lang="en-US" altLang="zh-CN" strike="sngStrike"/>
+              <a:t>max death </a:t>
+            </a:r>
+            <a:r>
+              <a:rPr lang="zh-CN" altLang="en-US" strike="sngStrike"/>
+              <a:t>对其他的</a:t>
+            </a:r>
+            <a:r>
+              <a:rPr lang="zh-CN" altLang="en-US" strike="sngStrike"/>
+              <a:t>归一化</a:t>
+            </a:r>
+            <a:endParaRPr lang="zh-CN" altLang="en-US" strike="sngStrike"/>
+          </a:p>
+          <a:p>
+            <a:r>
+              <a:rPr lang="en-US" altLang="zh-CN"/>
+              <a:t>L1</a:t>
+            </a:r>
+            <a:r>
+              <a:rPr lang="zh-CN" altLang="en-US"/>
+              <a:t>下的存活时间、</a:t>
+            </a:r>
+            <a:r>
+              <a:rPr lang="en-US" altLang="zh-CN"/>
+              <a:t>max death </a:t>
+            </a:r>
+            <a:r>
+              <a:rPr lang="zh-CN" altLang="en-US"/>
+              <a:t>观察</a:t>
+            </a:r>
+            <a:endParaRPr lang="zh-CN" altLang="en-US"/>
+          </a:p>
+          <a:p>
+            <a:pPr lvl="1"/>
+            <a:r>
+              <a:rPr lang="zh-CN" altLang="en-US"/>
+              <a:t>更大范围的</a:t>
+            </a:r>
+            <a:r>
+              <a:rPr lang="zh-CN" altLang="en-US"/>
+              <a:t>角度</a:t>
+            </a:r>
+            <a:endParaRPr lang="zh-CN" altLang="en-US"/>
+          </a:p>
+          <a:p>
+            <a:pPr marL="228600" lvl="0" indent="-228600">
+              <a:buFont typeface="Arial" panose="020B0604020202020204" pitchFamily="34" charset="0"/>
+              <a:buChar char="•"/>
+            </a:pPr>
+            <a:r>
+              <a:rPr lang="en-US" altLang="zh-CN" strike="sngStrike">
+                <a:solidFill>
+                  <a:schemeClr val="tx1"/>
+                </a:solidFill>
+              </a:rPr>
+              <a:t>ISIC2018 </a:t>
+            </a:r>
+            <a:r>
+              <a:rPr lang="zh-CN" altLang="en-US" strike="sngStrike">
+                <a:solidFill>
+                  <a:schemeClr val="tx1"/>
+                </a:solidFill>
+              </a:rPr>
+              <a:t>看看</a:t>
+            </a:r>
+            <a:r>
+              <a:rPr lang="en-US" altLang="zh-CN" strike="sngStrike">
+                <a:solidFill>
+                  <a:schemeClr val="tx1"/>
+                </a:solidFill>
+              </a:rPr>
+              <a:t>R0</a:t>
+            </a:r>
+            <a:endParaRPr lang="en-US" altLang="zh-CN" strike="sngStrike">
+              <a:solidFill>
+                <a:schemeClr val="tx1"/>
+              </a:solidFill>
+            </a:endParaRPr>
+          </a:p>
+          <a:p>
+            <a:pPr marL="685800" lvl="1" indent="-228600">
+              <a:buFont typeface="Arial" panose="020B0604020202020204" pitchFamily="34" charset="0"/>
+              <a:buChar char="•"/>
+            </a:pPr>
+            <a:r>
+              <a:rPr lang="zh-CN" altLang="en-US" strike="sngStrike">
+                <a:solidFill>
+                  <a:schemeClr val="tx1"/>
+                </a:solidFill>
+              </a:rPr>
+              <a:t>只看</a:t>
+            </a:r>
+            <a:r>
+              <a:rPr lang="en-US" altLang="zh-CN" strike="sngStrike">
+                <a:solidFill>
+                  <a:schemeClr val="tx1"/>
+                </a:solidFill>
+              </a:rPr>
+              <a:t>input image</a:t>
+            </a:r>
+            <a:endParaRPr lang="en-US" altLang="zh-CN" strike="sngStrike">
+              <a:solidFill>
+                <a:schemeClr val="tx1"/>
+              </a:solidFill>
+            </a:endParaRPr>
           </a:p>
         </p:txBody>
       </p:sp>
@@ -4521,6 +4719,102 @@
           </a:p>
         </p:txBody>
       </p:sp>
+      <mc:AlternateContent xmlns:mc="http://schemas.openxmlformats.org/markup-compatibility/2006" xmlns:p14="http://schemas.microsoft.com/office/powerpoint/2010/main">
+        <mc:Choice Requires="p14">
+          <p:contentPart r:id="rId6" p14:bwMode="auto">
+            <p14:nvContentPartPr>
+              <p14:cNvPr id="3" name="墨迹 2"/>
+              <p14:cNvContentPartPr/>
+              <p14:nvPr/>
+            </p14:nvContentPartPr>
+            <p14:xfrm>
+              <a:off x="2768600" y="3302000"/>
+              <a:ext cx="2228850" cy="63500"/>
+            </p14:xfrm>
+          </p:contentPart>
+        </mc:Choice>
+        <mc:Fallback xmlns="">
+          <p:pic>
+            <p:nvPicPr>
+              <p:cNvPr id="3" name="墨迹 2"/>
+            </p:nvPicPr>
+            <p:blipFill>
+              <a:blip r:embed="rId7"/>
+            </p:blipFill>
+            <p:spPr>
+              <a:xfrm>
+                <a:off x="2768600" y="3302000"/>
+                <a:ext cx="2228850" cy="63500"/>
+              </a:xfrm>
+              <a:prstGeom prst="rect"/>
+            </p:spPr>
+          </p:pic>
+        </mc:Fallback>
+      </mc:AlternateContent>
+      <mc:AlternateContent xmlns:mc="http://schemas.openxmlformats.org/markup-compatibility/2006" xmlns:p14="http://schemas.microsoft.com/office/powerpoint/2010/main">
+        <mc:Choice Requires="p14">
+          <p:contentPart r:id="rId8" p14:bwMode="auto">
+            <p14:nvContentPartPr>
+              <p14:cNvPr id="4" name="墨迹 3"/>
+              <p14:cNvContentPartPr/>
+              <p14:nvPr/>
+            </p14:nvContentPartPr>
+            <p14:xfrm>
+              <a:off x="1644650" y="2876550"/>
+              <a:ext cx="476250" cy="387350"/>
+            </p14:xfrm>
+          </p:contentPart>
+        </mc:Choice>
+        <mc:Fallback xmlns="">
+          <p:pic>
+            <p:nvPicPr>
+              <p:cNvPr id="4" name="墨迹 3"/>
+            </p:nvPicPr>
+            <p:blipFill>
+              <a:blip r:embed="rId9"/>
+            </p:blipFill>
+            <p:spPr>
+              <a:xfrm>
+                <a:off x="1644650" y="2876550"/>
+                <a:ext cx="476250" cy="387350"/>
+              </a:xfrm>
+              <a:prstGeom prst="rect"/>
+            </p:spPr>
+          </p:pic>
+        </mc:Fallback>
+      </mc:AlternateContent>
+      <mc:AlternateContent xmlns:mc="http://schemas.openxmlformats.org/markup-compatibility/2006" xmlns:p14="http://schemas.microsoft.com/office/powerpoint/2010/main">
+        <mc:Choice Requires="p14">
+          <p:contentPart r:id="rId10" p14:bwMode="auto">
+            <p14:nvContentPartPr>
+              <p14:cNvPr id="5" name="墨迹 4"/>
+              <p14:cNvContentPartPr/>
+              <p14:nvPr/>
+            </p14:nvContentPartPr>
+            <p14:xfrm>
+              <a:off x="2120900" y="3117850"/>
+              <a:ext cx="241300" cy="215900"/>
+            </p14:xfrm>
+          </p:contentPart>
+        </mc:Choice>
+        <mc:Fallback xmlns="">
+          <p:pic>
+            <p:nvPicPr>
+              <p:cNvPr id="5" name="墨迹 4"/>
+            </p:nvPicPr>
+            <p:blipFill>
+              <a:blip r:embed="rId11"/>
+            </p:blipFill>
+            <p:spPr>
+              <a:xfrm>
+                <a:off x="2120900" y="3117850"/>
+                <a:ext cx="241300" cy="215900"/>
+              </a:xfrm>
+              <a:prstGeom prst="rect"/>
+            </p:spPr>
+          </p:pic>
+        </mc:Fallback>
+      </mc:AlternateContent>
     </p:spTree>
   </p:cSld>
   <p:clrMapOvr>
@@ -5425,7 +5719,7 @@
 
 <file path=ppt/tags/tag10.xml><?xml version="1.0" encoding="utf-8"?>
 <p:tagLst xmlns:p="http://schemas.openxmlformats.org/presentationml/2006/main">
-  <p:tag name="commondata" val="eyJoZGlkIjoiN2I4M2IwMDAwYjRlOTMwMWE2OGQwNmZmMmE4NjZkNTYifQ=="/>
+  <p:tag name="commondata" val="eyJoZGlkIjoiZjFmZWIzNDg2MmIzZjExOTIzMmViNTBmYTMwYTk0ZWYifQ=="/>
 </p:tagLst>
 </file>
 
